--- a/文档/RASA智能机器人助手.pptx
+++ b/文档/RASA智能机器人助手.pptx
@@ -28,10 +28,9 @@
     <p:sldId id="278" r:id="rId22"/>
     <p:sldId id="279" r:id="rId23"/>
     <p:sldId id="280" r:id="rId24"/>
-    <p:sldId id="281" r:id="rId25"/>
-    <p:sldId id="282" r:id="rId26"/>
-    <p:sldId id="283" r:id="rId27"/>
-    <p:sldId id="284" r:id="rId28"/>
+    <p:sldId id="282" r:id="rId25"/>
+    <p:sldId id="283" r:id="rId26"/>
+    <p:sldId id="284" r:id="rId27"/>
   </p:sldIdLst>
   <p:sldSz cx="12192000" cy="6858000"/>
   <p:notesSz cx="6858000" cy="9144000"/>
@@ -285,7 +284,7 @@
           <a:p>
             <a:fld id="{4CB29324-2311-44E0-9C61-35E7096F2DF6}" type="datetimeFigureOut">
               <a:rPr lang="zh-CN" altLang="en-US" smtClean="0"/>
-              <a:t>2021/10/6 Wednesday</a:t>
+              <a:t>2021/10/8</a:t>
             </a:fld>
             <a:endParaRPr lang="zh-CN" altLang="en-US"/>
           </a:p>
@@ -483,7 +482,7 @@
           <a:p>
             <a:fld id="{4CB29324-2311-44E0-9C61-35E7096F2DF6}" type="datetimeFigureOut">
               <a:rPr lang="zh-CN" altLang="en-US" smtClean="0"/>
-              <a:t>2021/10/6 Wednesday</a:t>
+              <a:t>2021/10/8</a:t>
             </a:fld>
             <a:endParaRPr lang="zh-CN" altLang="en-US"/>
           </a:p>
@@ -691,7 +690,7 @@
           <a:p>
             <a:fld id="{4CB29324-2311-44E0-9C61-35E7096F2DF6}" type="datetimeFigureOut">
               <a:rPr lang="zh-CN" altLang="en-US" smtClean="0"/>
-              <a:t>2021/10/6 Wednesday</a:t>
+              <a:t>2021/10/8</a:t>
             </a:fld>
             <a:endParaRPr lang="zh-CN" altLang="en-US"/>
           </a:p>
@@ -889,7 +888,7 @@
           <a:p>
             <a:fld id="{4CB29324-2311-44E0-9C61-35E7096F2DF6}" type="datetimeFigureOut">
               <a:rPr lang="zh-CN" altLang="en-US" smtClean="0"/>
-              <a:t>2021/10/6 Wednesday</a:t>
+              <a:t>2021/10/8</a:t>
             </a:fld>
             <a:endParaRPr lang="zh-CN" altLang="en-US"/>
           </a:p>
@@ -1164,7 +1163,7 @@
           <a:p>
             <a:fld id="{4CB29324-2311-44E0-9C61-35E7096F2DF6}" type="datetimeFigureOut">
               <a:rPr lang="zh-CN" altLang="en-US" smtClean="0"/>
-              <a:t>2021/10/6 Wednesday</a:t>
+              <a:t>2021/10/8</a:t>
             </a:fld>
             <a:endParaRPr lang="zh-CN" altLang="en-US"/>
           </a:p>
@@ -1429,7 +1428,7 @@
           <a:p>
             <a:fld id="{4CB29324-2311-44E0-9C61-35E7096F2DF6}" type="datetimeFigureOut">
               <a:rPr lang="zh-CN" altLang="en-US" smtClean="0"/>
-              <a:t>2021/10/6 Wednesday</a:t>
+              <a:t>2021/10/8</a:t>
             </a:fld>
             <a:endParaRPr lang="zh-CN" altLang="en-US"/>
           </a:p>
@@ -1841,7 +1840,7 @@
           <a:p>
             <a:fld id="{4CB29324-2311-44E0-9C61-35E7096F2DF6}" type="datetimeFigureOut">
               <a:rPr lang="zh-CN" altLang="en-US" smtClean="0"/>
-              <a:t>2021/10/6 Wednesday</a:t>
+              <a:t>2021/10/8</a:t>
             </a:fld>
             <a:endParaRPr lang="zh-CN" altLang="en-US"/>
           </a:p>
@@ -1982,7 +1981,7 @@
           <a:p>
             <a:fld id="{4CB29324-2311-44E0-9C61-35E7096F2DF6}" type="datetimeFigureOut">
               <a:rPr lang="zh-CN" altLang="en-US" smtClean="0"/>
-              <a:t>2021/10/6 Wednesday</a:t>
+              <a:t>2021/10/8</a:t>
             </a:fld>
             <a:endParaRPr lang="zh-CN" altLang="en-US"/>
           </a:p>
@@ -2095,7 +2094,7 @@
           <a:p>
             <a:fld id="{4CB29324-2311-44E0-9C61-35E7096F2DF6}" type="datetimeFigureOut">
               <a:rPr lang="zh-CN" altLang="en-US" smtClean="0"/>
-              <a:t>2021/10/6 Wednesday</a:t>
+              <a:t>2021/10/8</a:t>
             </a:fld>
             <a:endParaRPr lang="zh-CN" altLang="en-US"/>
           </a:p>
@@ -2406,7 +2405,7 @@
           <a:p>
             <a:fld id="{4CB29324-2311-44E0-9C61-35E7096F2DF6}" type="datetimeFigureOut">
               <a:rPr lang="zh-CN" altLang="en-US" smtClean="0"/>
-              <a:t>2021/10/6 Wednesday</a:t>
+              <a:t>2021/10/8</a:t>
             </a:fld>
             <a:endParaRPr lang="zh-CN" altLang="en-US"/>
           </a:p>
@@ -2694,7 +2693,7 @@
           <a:p>
             <a:fld id="{4CB29324-2311-44E0-9C61-35E7096F2DF6}" type="datetimeFigureOut">
               <a:rPr lang="zh-CN" altLang="en-US" smtClean="0"/>
-              <a:t>2021/10/6 Wednesday</a:t>
+              <a:t>2021/10/8</a:t>
             </a:fld>
             <a:endParaRPr lang="zh-CN" altLang="en-US"/>
           </a:p>
@@ -2938,7 +2937,7 @@
           <a:p>
             <a:fld id="{4CB29324-2311-44E0-9C61-35E7096F2DF6}" type="datetimeFigureOut">
               <a:rPr lang="zh-CN" altLang="en-US" smtClean="0"/>
-              <a:t>2021/10/6 Wednesday</a:t>
+              <a:t>2021/10/8</a:t>
             </a:fld>
             <a:endParaRPr lang="zh-CN" altLang="en-US"/>
           </a:p>
@@ -15446,40 +15445,6 @@
           </a:p>
         </p:txBody>
       </p:sp>
-      <p:pic>
-        <p:nvPicPr>
-          <p:cNvPr id="17" name="图片 16">
-            <a:extLst>
-              <a:ext uri="{FF2B5EF4-FFF2-40B4-BE49-F238E27FC236}">
-                <a16:creationId xmlns:a16="http://schemas.microsoft.com/office/drawing/2014/main" id="{31346659-67BF-452D-9F39-3F3BE5703F86}"/>
-              </a:ext>
-            </a:extLst>
-          </p:cNvPr>
-          <p:cNvPicPr>
-            <a:picLocks noChangeAspect="1"/>
-          </p:cNvPicPr>
-          <p:nvPr/>
-        </p:nvPicPr>
-        <p:blipFill>
-          <a:blip r:embed="rId2"/>
-          <a:stretch>
-            <a:fillRect/>
-          </a:stretch>
-        </p:blipFill>
-        <p:spPr>
-          <a:xfrm>
-            <a:off x="3127057" y="3460738"/>
-            <a:ext cx="5213985" cy="2557780"/>
-          </a:xfrm>
-          <a:prstGeom prst="rect">
-            <a:avLst/>
-          </a:prstGeom>
-          <a:noFill/>
-          <a:ln>
-            <a:noFill/>
-          </a:ln>
-        </p:spPr>
-      </p:pic>
       <p:grpSp>
         <p:nvGrpSpPr>
           <p:cNvPr id="11" name="组合 10">
@@ -15598,13 +15563,13 @@
             <p:nvPr/>
           </p:nvPicPr>
           <p:blipFill>
-            <a:blip r:embed="rId3">
+            <a:blip r:embed="rId2">
               <a:extLst>
                 <a:ext uri="{28A0092B-C50C-407E-A947-70E740481C1C}">
                   <a14:useLocalDpi xmlns:a14="http://schemas.microsoft.com/office/drawing/2010/main" val="0"/>
                 </a:ext>
                 <a:ext uri="{96DAC541-7B7A-43D3-8B79-37D633B846F1}">
-                  <asvg:svgBlip xmlns:asvg="http://schemas.microsoft.com/office/drawing/2016/SVG/main" r:embed="rId4"/>
+                  <asvg:svgBlip xmlns:asvg="http://schemas.microsoft.com/office/drawing/2016/SVG/main" r:embed="rId3"/>
                 </a:ext>
               </a:extLst>
             </a:blip>
@@ -15623,6 +15588,34 @@
           </p:spPr>
         </p:pic>
       </p:grpSp>
+      <p:pic>
+        <p:nvPicPr>
+          <p:cNvPr id="9" name="图片 8">
+            <a:extLst>
+              <a:ext uri="{FF2B5EF4-FFF2-40B4-BE49-F238E27FC236}">
+                <a16:creationId xmlns:a16="http://schemas.microsoft.com/office/drawing/2014/main" id="{566C33D9-63D3-4243-81BC-65296E37D248}"/>
+              </a:ext>
+            </a:extLst>
+          </p:cNvPr>
+          <p:cNvPicPr/>
+          <p:nvPr/>
+        </p:nvPicPr>
+        <p:blipFill>
+          <a:blip r:embed="rId4"/>
+          <a:stretch>
+            <a:fillRect/>
+          </a:stretch>
+        </p:blipFill>
+        <p:spPr>
+          <a:xfrm>
+            <a:off x="5594606" y="1594524"/>
+            <a:ext cx="5871463" cy="4535566"/>
+          </a:xfrm>
+          <a:prstGeom prst="rect">
+            <a:avLst/>
+          </a:prstGeom>
+        </p:spPr>
+      </p:pic>
     </p:spTree>
     <p:extLst>
       <p:ext uri="{BB962C8B-B14F-4D97-AF65-F5344CB8AC3E}">
@@ -16345,672 +16338,6 @@
         <p:spPr>
           <a:xfrm>
             <a:off x="795010" y="1997577"/>
-            <a:ext cx="10882639" cy="3370153"/>
-          </a:xfrm>
-          <a:prstGeom prst="rect">
-            <a:avLst/>
-          </a:prstGeom>
-          <a:noFill/>
-        </p:spPr>
-        <p:txBody>
-          <a:bodyPr wrap="square" rtlCol="0">
-            <a:spAutoFit/>
-          </a:bodyPr>
-          <a:lstStyle/>
-          <a:p>
-            <a:pPr indent="241300">
-              <a:spcBef>
-                <a:spcPts val="1200"/>
-              </a:spcBef>
-              <a:spcAft>
-                <a:spcPts val="600"/>
-              </a:spcAft>
-            </a:pPr>
-            <a:r>
-              <a:rPr lang="zh-CN" altLang="en-US" sz="2400" dirty="0">
-                <a:solidFill>
-                  <a:srgbClr val="FF0000"/>
-                </a:solidFill>
-                <a:latin typeface="黑体" panose="02010609060101010101" pitchFamily="49" charset="-122"/>
-                <a:ea typeface="黑体" panose="02010609060101010101" pitchFamily="49" charset="-122"/>
-                <a:cs typeface="微软雅黑" panose="020B0503020204020204" pitchFamily="34" charset="-122"/>
-              </a:rPr>
-              <a:t>操作细节：</a:t>
-            </a:r>
-            <a:endParaRPr lang="en-US" altLang="zh-CN" sz="2400" dirty="0">
-              <a:solidFill>
-                <a:srgbClr val="FF0000"/>
-              </a:solidFill>
-              <a:effectLst/>
-              <a:latin typeface="黑体" panose="02010609060101010101" pitchFamily="49" charset="-122"/>
-              <a:ea typeface="黑体" panose="02010609060101010101" pitchFamily="49" charset="-122"/>
-              <a:cs typeface="微软雅黑" panose="020B0503020204020204" pitchFamily="34" charset="-122"/>
-            </a:endParaRPr>
-          </a:p>
-          <a:p>
-            <a:pPr indent="241300">
-              <a:spcBef>
-                <a:spcPts val="1200"/>
-              </a:spcBef>
-              <a:spcAft>
-                <a:spcPts val="600"/>
-              </a:spcAft>
-            </a:pPr>
-            <a:r>
-              <a:rPr lang="en-US" altLang="zh-CN" sz="2400" dirty="0">
-                <a:solidFill>
-                  <a:srgbClr val="000000"/>
-                </a:solidFill>
-                <a:latin typeface="黑体" panose="02010609060101010101" pitchFamily="49" charset="-122"/>
-                <a:ea typeface="黑体" panose="02010609060101010101" pitchFamily="49" charset="-122"/>
-                <a:cs typeface="微软雅黑" panose="020B0503020204020204" pitchFamily="34" charset="-122"/>
-              </a:rPr>
-              <a:t>3. msgManager.js:</a:t>
-            </a:r>
-          </a:p>
-          <a:p>
-            <a:pPr indent="241300">
-              <a:spcBef>
-                <a:spcPts val="1200"/>
-              </a:spcBef>
-              <a:spcAft>
-                <a:spcPts val="600"/>
-              </a:spcAft>
-            </a:pPr>
-            <a:r>
-              <a:rPr lang="en-US" altLang="zh-CN" sz="2400" dirty="0">
-                <a:solidFill>
-                  <a:srgbClr val="000000"/>
-                </a:solidFill>
-                <a:latin typeface="黑体" panose="02010609060101010101" pitchFamily="49" charset="-122"/>
-                <a:ea typeface="黑体" panose="02010609060101010101" pitchFamily="49" charset="-122"/>
-                <a:cs typeface="微软雅黑" panose="020B0503020204020204" pitchFamily="34" charset="-122"/>
-              </a:rPr>
-              <a:t>Rasa bot</a:t>
-            </a:r>
-            <a:r>
-              <a:rPr lang="zh-CN" altLang="en-US" sz="2400" dirty="0">
-                <a:solidFill>
-                  <a:srgbClr val="000000"/>
-                </a:solidFill>
-                <a:latin typeface="黑体" panose="02010609060101010101" pitchFamily="49" charset="-122"/>
-                <a:ea typeface="黑体" panose="02010609060101010101" pitchFamily="49" charset="-122"/>
-                <a:cs typeface="微软雅黑" panose="020B0503020204020204" pitchFamily="34" charset="-122"/>
-              </a:rPr>
-              <a:t>中的</a:t>
-            </a:r>
-            <a:r>
-              <a:rPr lang="en-US" altLang="zh-CN" sz="2400" dirty="0">
-                <a:solidFill>
-                  <a:srgbClr val="000000"/>
-                </a:solidFill>
-                <a:latin typeface="黑体" panose="02010609060101010101" pitchFamily="49" charset="-122"/>
-                <a:ea typeface="黑体" panose="02010609060101010101" pitchFamily="49" charset="-122"/>
-                <a:cs typeface="微软雅黑" panose="020B0503020204020204" pitchFamily="34" charset="-122"/>
-              </a:rPr>
-              <a:t>response</a:t>
-            </a:r>
-            <a:r>
-              <a:rPr lang="zh-CN" altLang="en-US" sz="2400" dirty="0">
-                <a:solidFill>
-                  <a:srgbClr val="000000"/>
-                </a:solidFill>
-                <a:latin typeface="黑体" panose="02010609060101010101" pitchFamily="49" charset="-122"/>
-                <a:ea typeface="黑体" panose="02010609060101010101" pitchFamily="49" charset="-122"/>
-                <a:cs typeface="微软雅黑" panose="020B0503020204020204" pitchFamily="34" charset="-122"/>
-              </a:rPr>
-              <a:t>分为三种类型：</a:t>
-            </a:r>
-          </a:p>
-          <a:p>
-            <a:pPr indent="241300">
-              <a:spcBef>
-                <a:spcPts val="1200"/>
-              </a:spcBef>
-              <a:spcAft>
-                <a:spcPts val="600"/>
-              </a:spcAft>
-            </a:pPr>
-            <a:r>
-              <a:rPr lang="en-US" altLang="zh-CN" sz="2400" dirty="0">
-                <a:solidFill>
-                  <a:srgbClr val="000000"/>
-                </a:solidFill>
-                <a:latin typeface="黑体" panose="02010609060101010101" pitchFamily="49" charset="-122"/>
-                <a:ea typeface="黑体" panose="02010609060101010101" pitchFamily="49" charset="-122"/>
-                <a:cs typeface="微软雅黑" panose="020B0503020204020204" pitchFamily="34" charset="-122"/>
-              </a:rPr>
-              <a:t>  </a:t>
-            </a:r>
-            <a:r>
-              <a:rPr lang="zh-CN" altLang="zh-CN" sz="1800" kern="100" dirty="0">
-                <a:solidFill>
-                  <a:srgbClr val="000000"/>
-                </a:solidFill>
-                <a:effectLst/>
-                <a:ea typeface="微软雅黑" panose="020B0503020204020204" pitchFamily="34" charset="-122"/>
-                <a:cs typeface="微软雅黑" panose="020B0503020204020204" pitchFamily="34" charset="-122"/>
-              </a:rPr>
-              <a:t>①</a:t>
-            </a:r>
-            <a:r>
-              <a:rPr lang="en-US" altLang="zh-CN" sz="1800" kern="100" dirty="0">
-                <a:solidFill>
-                  <a:srgbClr val="000000"/>
-                </a:solidFill>
-                <a:effectLst/>
-                <a:latin typeface="微软雅黑" panose="020B0503020204020204" pitchFamily="34" charset="-122"/>
-                <a:cs typeface="微软雅黑" panose="020B0503020204020204" pitchFamily="34" charset="-122"/>
-              </a:rPr>
-              <a:t> Text 				</a:t>
-            </a:r>
-            <a:r>
-              <a:rPr lang="zh-CN" altLang="zh-CN" sz="1800" kern="100" dirty="0">
-                <a:solidFill>
-                  <a:srgbClr val="000000"/>
-                </a:solidFill>
-                <a:effectLst/>
-                <a:ea typeface="微软雅黑" panose="020B0503020204020204" pitchFamily="34" charset="-122"/>
-                <a:cs typeface="微软雅黑" panose="020B0503020204020204" pitchFamily="34" charset="-122"/>
-              </a:rPr>
-              <a:t>②</a:t>
-            </a:r>
-            <a:r>
-              <a:rPr lang="en-US" altLang="zh-CN" sz="1800" kern="100" dirty="0">
-                <a:solidFill>
-                  <a:srgbClr val="000000"/>
-                </a:solidFill>
-                <a:effectLst/>
-                <a:latin typeface="微软雅黑" panose="020B0503020204020204" pitchFamily="34" charset="-122"/>
-                <a:cs typeface="微软雅黑" panose="020B0503020204020204" pitchFamily="34" charset="-122"/>
-              </a:rPr>
-              <a:t> Image			</a:t>
-            </a:r>
-            <a:r>
-              <a:rPr lang="zh-CN" altLang="zh-CN" sz="1800" kern="100" dirty="0">
-                <a:solidFill>
-                  <a:srgbClr val="000000"/>
-                </a:solidFill>
-                <a:effectLst/>
-                <a:latin typeface="Calibri" panose="020F0502020204030204" pitchFamily="34" charset="0"/>
-                <a:ea typeface="微软雅黑" panose="020B0503020204020204" pitchFamily="34" charset="-122"/>
-                <a:cs typeface="微软雅黑" panose="020B0503020204020204" pitchFamily="34" charset="-122"/>
-              </a:rPr>
-              <a:t>③</a:t>
-            </a:r>
-            <a:r>
-              <a:rPr lang="en-US" altLang="zh-CN" sz="1800" kern="100" dirty="0">
-                <a:solidFill>
-                  <a:srgbClr val="000000"/>
-                </a:solidFill>
-                <a:effectLst/>
-                <a:latin typeface="微软雅黑" panose="020B0503020204020204" pitchFamily="34" charset="-122"/>
-                <a:ea typeface="宋体" panose="02010600030101010101" pitchFamily="2" charset="-122"/>
-                <a:cs typeface="微软雅黑" panose="020B0503020204020204" pitchFamily="34" charset="-122"/>
-              </a:rPr>
-              <a:t> Card</a:t>
-            </a:r>
-            <a:endParaRPr lang="zh-CN" altLang="zh-CN" sz="1800" kern="100" dirty="0">
-              <a:effectLst/>
-              <a:latin typeface="Calibri" panose="020F0502020204030204" pitchFamily="34" charset="0"/>
-              <a:ea typeface="宋体" panose="02010600030101010101" pitchFamily="2" charset="-122"/>
-              <a:cs typeface="Times New Roman" panose="02020603050405020304" pitchFamily="18" charset="0"/>
-            </a:endParaRPr>
-          </a:p>
-          <a:p>
-            <a:pPr indent="241300">
-              <a:spcBef>
-                <a:spcPts val="1200"/>
-              </a:spcBef>
-              <a:spcAft>
-                <a:spcPts val="600"/>
-              </a:spcAft>
-            </a:pPr>
-            <a:endParaRPr lang="en-US" altLang="zh-CN" sz="1800" kern="100" dirty="0">
-              <a:solidFill>
-                <a:srgbClr val="000000"/>
-              </a:solidFill>
-              <a:effectLst/>
-              <a:latin typeface="微软雅黑" panose="020B0503020204020204" pitchFamily="34" charset="-122"/>
-              <a:cs typeface="微软雅黑" panose="020B0503020204020204" pitchFamily="34" charset="-122"/>
-            </a:endParaRPr>
-          </a:p>
-          <a:p>
-            <a:pPr indent="241300">
-              <a:spcBef>
-                <a:spcPts val="1200"/>
-              </a:spcBef>
-              <a:spcAft>
-                <a:spcPts val="600"/>
-              </a:spcAft>
-            </a:pPr>
-            <a:endParaRPr lang="en-US" altLang="zh-CN" sz="2400" dirty="0">
-              <a:solidFill>
-                <a:srgbClr val="000000"/>
-              </a:solidFill>
-              <a:latin typeface="黑体" panose="02010609060101010101" pitchFamily="49" charset="-122"/>
-              <a:ea typeface="黑体" panose="02010609060101010101" pitchFamily="49" charset="-122"/>
-              <a:cs typeface="微软雅黑" panose="020B0503020204020204" pitchFamily="34" charset="-122"/>
-            </a:endParaRPr>
-          </a:p>
-        </p:txBody>
-      </p:sp>
-      <p:pic>
-        <p:nvPicPr>
-          <p:cNvPr id="14" name="图片 13">
-            <a:extLst>
-              <a:ext uri="{FF2B5EF4-FFF2-40B4-BE49-F238E27FC236}">
-                <a16:creationId xmlns:a16="http://schemas.microsoft.com/office/drawing/2014/main" id="{197DED8B-936E-47A6-A279-CFE9E437B6DA}"/>
-              </a:ext>
-            </a:extLst>
-          </p:cNvPr>
-          <p:cNvPicPr>
-            <a:picLocks noChangeAspect="1"/>
-          </p:cNvPicPr>
-          <p:nvPr/>
-        </p:nvPicPr>
-        <p:blipFill>
-          <a:blip r:embed="rId2"/>
-          <a:stretch>
-            <a:fillRect/>
-          </a:stretch>
-        </p:blipFill>
-        <p:spPr>
-          <a:xfrm>
-            <a:off x="895319" y="4423162"/>
-            <a:ext cx="3431561" cy="1749389"/>
-          </a:xfrm>
-          <a:prstGeom prst="rect">
-            <a:avLst/>
-          </a:prstGeom>
-          <a:noFill/>
-          <a:ln>
-            <a:noFill/>
-          </a:ln>
-        </p:spPr>
-      </p:pic>
-      <p:pic>
-        <p:nvPicPr>
-          <p:cNvPr id="15" name="图片 14">
-            <a:extLst>
-              <a:ext uri="{FF2B5EF4-FFF2-40B4-BE49-F238E27FC236}">
-                <a16:creationId xmlns:a16="http://schemas.microsoft.com/office/drawing/2014/main" id="{07C0E886-EDA7-4B6A-9B64-A5284AFA9AA9}"/>
-              </a:ext>
-            </a:extLst>
-          </p:cNvPr>
-          <p:cNvPicPr>
-            <a:picLocks noChangeAspect="1"/>
-          </p:cNvPicPr>
-          <p:nvPr/>
-        </p:nvPicPr>
-        <p:blipFill>
-          <a:blip r:embed="rId3"/>
-          <a:stretch>
-            <a:fillRect/>
-          </a:stretch>
-        </p:blipFill>
-        <p:spPr>
-          <a:xfrm>
-            <a:off x="4807564" y="4423161"/>
-            <a:ext cx="3431561" cy="1749390"/>
-          </a:xfrm>
-          <a:prstGeom prst="rect">
-            <a:avLst/>
-          </a:prstGeom>
-          <a:noFill/>
-          <a:ln>
-            <a:noFill/>
-          </a:ln>
-        </p:spPr>
-      </p:pic>
-      <p:sp>
-        <p:nvSpPr>
-          <p:cNvPr id="2" name="文本框 1">
-            <a:extLst>
-              <a:ext uri="{FF2B5EF4-FFF2-40B4-BE49-F238E27FC236}">
-                <a16:creationId xmlns:a16="http://schemas.microsoft.com/office/drawing/2014/main" id="{A15EA64E-EE32-4E9C-BFC7-815D927CD79A}"/>
-              </a:ext>
-            </a:extLst>
-          </p:cNvPr>
-          <p:cNvSpPr txBox="1"/>
-          <p:nvPr/>
-        </p:nvSpPr>
-        <p:spPr>
-          <a:xfrm>
-            <a:off x="8719810" y="4998398"/>
-            <a:ext cx="2677180" cy="369332"/>
-          </a:xfrm>
-          <a:prstGeom prst="rect">
-            <a:avLst/>
-          </a:prstGeom>
-          <a:noFill/>
-        </p:spPr>
-        <p:txBody>
-          <a:bodyPr wrap="square" rtlCol="0">
-            <a:spAutoFit/>
-          </a:bodyPr>
-          <a:lstStyle/>
-          <a:p>
-            <a:r>
-              <a:rPr lang="zh-CN" altLang="en-US" dirty="0">
-                <a:solidFill>
-                  <a:srgbClr val="FF0000"/>
-                </a:solidFill>
-              </a:rPr>
-              <a:t>这里差一张图片！！！</a:t>
-            </a:r>
-          </a:p>
-        </p:txBody>
-      </p:sp>
-      <p:grpSp>
-        <p:nvGrpSpPr>
-          <p:cNvPr id="11" name="组合 10">
-            <a:extLst>
-              <a:ext uri="{FF2B5EF4-FFF2-40B4-BE49-F238E27FC236}">
-                <a16:creationId xmlns:a16="http://schemas.microsoft.com/office/drawing/2014/main" id="{5020C338-6FE5-44C6-97A7-13235E6C88F8}"/>
-              </a:ext>
-            </a:extLst>
-          </p:cNvPr>
-          <p:cNvGrpSpPr/>
-          <p:nvPr/>
-        </p:nvGrpSpPr>
-        <p:grpSpPr>
-          <a:xfrm>
-            <a:off x="361951" y="209989"/>
-            <a:ext cx="4093205" cy="523220"/>
-            <a:chOff x="457201" y="505264"/>
-            <a:chExt cx="4093205" cy="523220"/>
-          </a:xfrm>
-        </p:grpSpPr>
-        <p:sp>
-          <p:nvSpPr>
-            <p:cNvPr id="13" name="矩形 12">
-              <a:extLst>
-                <a:ext uri="{FF2B5EF4-FFF2-40B4-BE49-F238E27FC236}">
-                  <a16:creationId xmlns:a16="http://schemas.microsoft.com/office/drawing/2014/main" id="{02043288-1D62-4F21-9025-DA6BC754EFC4}"/>
-                </a:ext>
-              </a:extLst>
-            </p:cNvPr>
-            <p:cNvSpPr/>
-            <p:nvPr/>
-          </p:nvSpPr>
-          <p:spPr>
-            <a:xfrm>
-              <a:off x="673731" y="505264"/>
-              <a:ext cx="3876675" cy="523220"/>
-            </a:xfrm>
-            <a:prstGeom prst="rect">
-              <a:avLst/>
-            </a:prstGeom>
-            <a:noFill/>
-          </p:spPr>
-          <p:txBody>
-            <a:bodyPr wrap="square" lIns="91440" tIns="45720" rIns="91440" bIns="45720">
-              <a:spAutoFit/>
-            </a:bodyPr>
-            <a:lstStyle/>
-            <a:p>
-              <a:pPr algn="ctr"/>
-              <a:r>
-                <a:rPr lang="en-US" altLang="zh-CN" sz="2800" dirty="0">
-                  <a:ln w="0"/>
-                  <a:solidFill>
-                    <a:srgbClr val="1296DB"/>
-                  </a:solidFill>
-                  <a:effectLst>
-                    <a:outerShdw blurRad="38100" dist="25400" dir="5400000" algn="ctr" rotWithShape="0">
-                      <a:srgbClr val="6E747A">
-                        <a:alpha val="43000"/>
-                      </a:srgbClr>
-                    </a:outerShdw>
-                  </a:effectLst>
-                  <a:latin typeface="字魂55号-龙吟手书" panose="00000500000000000000" pitchFamily="2" charset="-122"/>
-                  <a:ea typeface="字魂55号-龙吟手书" panose="00000500000000000000" pitchFamily="2" charset="-122"/>
-                </a:rPr>
-                <a:t>RASA</a:t>
-              </a:r>
-              <a:r>
-                <a:rPr lang="zh-CN" altLang="en-US" sz="2800" dirty="0">
-                  <a:ln w="0"/>
-                  <a:solidFill>
-                    <a:srgbClr val="1296DB"/>
-                  </a:solidFill>
-                  <a:effectLst>
-                    <a:outerShdw blurRad="38100" dist="25400" dir="5400000" algn="ctr" rotWithShape="0">
-                      <a:srgbClr val="6E747A">
-                        <a:alpha val="43000"/>
-                      </a:srgbClr>
-                    </a:outerShdw>
-                  </a:effectLst>
-                  <a:latin typeface="字魂55号-龙吟手书" panose="00000500000000000000" pitchFamily="2" charset="-122"/>
-                  <a:ea typeface="字魂55号-龙吟手书" panose="00000500000000000000" pitchFamily="2" charset="-122"/>
-                </a:rPr>
-                <a:t>智能机器人助手</a:t>
-              </a:r>
-              <a:endParaRPr lang="zh-CN" altLang="en-US" sz="2800" b="0" cap="none" spc="0" dirty="0">
-                <a:ln w="0"/>
-                <a:solidFill>
-                  <a:srgbClr val="1296DB"/>
-                </a:solidFill>
-                <a:effectLst>
-                  <a:outerShdw blurRad="38100" dist="25400" dir="5400000" algn="ctr" rotWithShape="0">
-                    <a:srgbClr val="6E747A">
-                      <a:alpha val="43000"/>
-                    </a:srgbClr>
-                  </a:outerShdw>
-                </a:effectLst>
-                <a:latin typeface="字魂55号-龙吟手书" panose="00000500000000000000" pitchFamily="2" charset="-122"/>
-                <a:ea typeface="字魂55号-龙吟手书" panose="00000500000000000000" pitchFamily="2" charset="-122"/>
-              </a:endParaRPr>
-            </a:p>
-          </p:txBody>
-        </p:sp>
-        <p:pic>
-          <p:nvPicPr>
-            <p:cNvPr id="16" name="图形 15">
-              <a:extLst>
-                <a:ext uri="{FF2B5EF4-FFF2-40B4-BE49-F238E27FC236}">
-                  <a16:creationId xmlns:a16="http://schemas.microsoft.com/office/drawing/2014/main" id="{4E5CF151-7D9A-4189-8471-A24F2AC24DA0}"/>
-                </a:ext>
-              </a:extLst>
-            </p:cNvPr>
-            <p:cNvPicPr>
-              <a:picLocks noChangeAspect="1"/>
-            </p:cNvPicPr>
-            <p:nvPr/>
-          </p:nvPicPr>
-          <p:blipFill>
-            <a:blip r:embed="rId4">
-              <a:extLst>
-                <a:ext uri="{28A0092B-C50C-407E-A947-70E740481C1C}">
-                  <a14:useLocalDpi xmlns:a14="http://schemas.microsoft.com/office/drawing/2010/main" val="0"/>
-                </a:ext>
-                <a:ext uri="{96DAC541-7B7A-43D3-8B79-37D633B846F1}">
-                  <asvg:svgBlip xmlns:asvg="http://schemas.microsoft.com/office/drawing/2016/SVG/main" r:embed="rId5"/>
-                </a:ext>
-              </a:extLst>
-            </a:blip>
-            <a:stretch>
-              <a:fillRect/>
-            </a:stretch>
-          </p:blipFill>
-          <p:spPr>
-            <a:xfrm>
-              <a:off x="457201" y="590550"/>
-              <a:ext cx="433060" cy="433060"/>
-            </a:xfrm>
-            <a:prstGeom prst="rect">
-              <a:avLst/>
-            </a:prstGeom>
-          </p:spPr>
-        </p:pic>
-      </p:grpSp>
-    </p:spTree>
-    <p:extLst>
-      <p:ext uri="{BB962C8B-B14F-4D97-AF65-F5344CB8AC3E}">
-        <p14:creationId xmlns:p14="http://schemas.microsoft.com/office/powerpoint/2010/main" val="1345363518"/>
-      </p:ext>
-    </p:extLst>
-  </p:cSld>
-  <p:clrMapOvr>
-    <a:masterClrMapping/>
-  </p:clrMapOvr>
-</p:sld>
-</file>
-
-<file path=ppt/slides/slide25.xml><?xml version="1.0" encoding="utf-8"?>
-<p:sld xmlns:a="http://schemas.openxmlformats.org/drawingml/2006/main" xmlns:r="http://schemas.openxmlformats.org/officeDocument/2006/relationships" xmlns:p="http://schemas.openxmlformats.org/presentationml/2006/main">
-  <p:cSld>
-    <p:spTree>
-      <p:nvGrpSpPr>
-        <p:cNvPr id="1" name=""/>
-        <p:cNvGrpSpPr/>
-        <p:nvPr/>
-      </p:nvGrpSpPr>
-      <p:grpSpPr>
-        <a:xfrm>
-          <a:off x="0" y="0"/>
-          <a:ext cx="0" cy="0"/>
-          <a:chOff x="0" y="0"/>
-          <a:chExt cx="0" cy="0"/>
-        </a:xfrm>
-      </p:grpSpPr>
-      <p:sp>
-        <p:nvSpPr>
-          <p:cNvPr id="44" name="矩形 43">
-            <a:extLst>
-              <a:ext uri="{FF2B5EF4-FFF2-40B4-BE49-F238E27FC236}">
-                <a16:creationId xmlns:a16="http://schemas.microsoft.com/office/drawing/2014/main" id="{19DD1960-7F35-4BCB-BB6A-9E9A0DFD4D84}"/>
-              </a:ext>
-            </a:extLst>
-          </p:cNvPr>
-          <p:cNvSpPr/>
-          <p:nvPr/>
-        </p:nvSpPr>
-        <p:spPr>
-          <a:xfrm>
-            <a:off x="514350" y="962025"/>
-            <a:ext cx="11191875" cy="5457825"/>
-          </a:xfrm>
-          <a:prstGeom prst="rect">
-            <a:avLst/>
-          </a:prstGeom>
-          <a:solidFill>
-            <a:schemeClr val="bg1"/>
-          </a:solidFill>
-          <a:ln>
-            <a:noFill/>
-          </a:ln>
-          <a:effectLst>
-            <a:glow rad="63500">
-              <a:schemeClr val="accent1">
-                <a:satMod val="175000"/>
-                <a:alpha val="40000"/>
-              </a:schemeClr>
-            </a:glow>
-          </a:effectLst>
-        </p:spPr>
-        <p:style>
-          <a:lnRef idx="2">
-            <a:schemeClr val="accent1">
-              <a:shade val="50000"/>
-            </a:schemeClr>
-          </a:lnRef>
-          <a:fillRef idx="1">
-            <a:schemeClr val="accent1"/>
-          </a:fillRef>
-          <a:effectRef idx="0">
-            <a:schemeClr val="accent1"/>
-          </a:effectRef>
-          <a:fontRef idx="minor">
-            <a:schemeClr val="lt1"/>
-          </a:fontRef>
-        </p:style>
-        <p:txBody>
-          <a:bodyPr rtlCol="0" anchor="ctr"/>
-          <a:lstStyle/>
-          <a:p>
-            <a:pPr algn="ctr"/>
-            <a:endParaRPr lang="zh-CN" altLang="en-US"/>
-          </a:p>
-        </p:txBody>
-      </p:sp>
-      <p:sp>
-        <p:nvSpPr>
-          <p:cNvPr id="10" name="文本框 9">
-            <a:extLst>
-              <a:ext uri="{FF2B5EF4-FFF2-40B4-BE49-F238E27FC236}">
-                <a16:creationId xmlns:a16="http://schemas.microsoft.com/office/drawing/2014/main" id="{30E16B3E-D9CA-43CA-8607-F178B3086B0D}"/>
-              </a:ext>
-            </a:extLst>
-          </p:cNvPr>
-          <p:cNvSpPr txBox="1"/>
-          <p:nvPr/>
-        </p:nvSpPr>
-        <p:spPr>
-          <a:xfrm>
-            <a:off x="795009" y="1218191"/>
-            <a:ext cx="5520065" cy="523220"/>
-          </a:xfrm>
-          <a:prstGeom prst="rect">
-            <a:avLst/>
-          </a:prstGeom>
-          <a:noFill/>
-        </p:spPr>
-        <p:txBody>
-          <a:bodyPr wrap="square" rtlCol="0">
-            <a:spAutoFit/>
-          </a:bodyPr>
-          <a:lstStyle/>
-          <a:p>
-            <a:r>
-              <a:rPr lang="zh-CN" altLang="en-US" sz="2800" dirty="0">
-                <a:solidFill>
-                  <a:srgbClr val="FF0000"/>
-                </a:solidFill>
-                <a:latin typeface="字魂独角兽体" panose="00000500000000000000" pitchFamily="2" charset="-122"/>
-                <a:ea typeface="字魂独角兽体" panose="00000500000000000000" pitchFamily="2" charset="-122"/>
-              </a:rPr>
-              <a:t>使用 </a:t>
-            </a:r>
-            <a:r>
-              <a:rPr lang="en-US" altLang="zh-CN" sz="2800" dirty="0">
-                <a:solidFill>
-                  <a:srgbClr val="FF0000"/>
-                </a:solidFill>
-                <a:latin typeface="字魂独角兽体" panose="00000500000000000000" pitchFamily="2" charset="-122"/>
-                <a:ea typeface="字魂独角兽体" panose="00000500000000000000" pitchFamily="2" charset="-122"/>
-              </a:rPr>
-              <a:t>React </a:t>
-            </a:r>
-            <a:r>
-              <a:rPr lang="zh-CN" altLang="en-US" sz="2800" dirty="0">
-                <a:solidFill>
-                  <a:srgbClr val="FF0000"/>
-                </a:solidFill>
-                <a:latin typeface="字魂独角兽体" panose="00000500000000000000" pitchFamily="2" charset="-122"/>
-                <a:ea typeface="字魂独角兽体" panose="00000500000000000000" pitchFamily="2" charset="-122"/>
-              </a:rPr>
-              <a:t>框架进行前端设计：</a:t>
-            </a:r>
-          </a:p>
-        </p:txBody>
-      </p:sp>
-      <p:sp>
-        <p:nvSpPr>
-          <p:cNvPr id="12" name="文本框 11">
-            <a:extLst>
-              <a:ext uri="{FF2B5EF4-FFF2-40B4-BE49-F238E27FC236}">
-                <a16:creationId xmlns:a16="http://schemas.microsoft.com/office/drawing/2014/main" id="{28A120B4-05BB-480D-A0EE-8505CA0AE36D}"/>
-              </a:ext>
-            </a:extLst>
-          </p:cNvPr>
-          <p:cNvSpPr txBox="1"/>
-          <p:nvPr/>
-        </p:nvSpPr>
-        <p:spPr>
-          <a:xfrm>
-            <a:off x="795010" y="1997577"/>
             <a:ext cx="10882639" cy="2031325"/>
           </a:xfrm>
           <a:prstGeom prst="rect">
@@ -17371,7 +16698,7 @@
 </p:sld>
 </file>
 
-<file path=ppt/slides/slide26.xml><?xml version="1.0" encoding="utf-8"?>
+<file path=ppt/slides/slide25.xml><?xml version="1.0" encoding="utf-8"?>
 <p:sld xmlns:a="http://schemas.openxmlformats.org/drawingml/2006/main" xmlns:r="http://schemas.openxmlformats.org/officeDocument/2006/relationships" xmlns:p="http://schemas.openxmlformats.org/presentationml/2006/main">
   <p:cSld>
     <p:spTree>
@@ -17819,7 +17146,7 @@
 </p:sld>
 </file>
 
-<file path=ppt/slides/slide27.xml><?xml version="1.0" encoding="utf-8"?>
+<file path=ppt/slides/slide26.xml><?xml version="1.0" encoding="utf-8"?>
 <p:sld xmlns:a="http://schemas.openxmlformats.org/drawingml/2006/main" xmlns:r="http://schemas.openxmlformats.org/officeDocument/2006/relationships" xmlns:p="http://schemas.openxmlformats.org/presentationml/2006/main">
   <p:cSld>
     <p:spTree>
